--- a/Apresentação_do_problema.pptx
+++ b/Apresentação_do_problema.pptx
@@ -110,13 +110,18 @@
       </a:defRPr>
     </a:lvl9pPr>
   </p:defaultTextStyle>
+  <p:extLst>
+    <p:ext uri="{EFAFB233-063F-42B5-8137-9DF3F51BA10A}">
+      <p15:sldGuideLst xmlns:p15="http://schemas.microsoft.com/office/powerpoint/2012/main"/>
+    </p:ext>
+  </p:extLst>
 </p:presentation>
 </file>
 
 <file path=ppt/revisionInfo.xml><?xml version="1.0" encoding="utf-8"?>
 <p1510:revInfo xmlns:a="http://schemas.openxmlformats.org/drawingml/2006/main" xmlns:r="http://schemas.openxmlformats.org/officeDocument/2006/relationships" xmlns:p1510="http://schemas.microsoft.com/office/powerpoint/2015/10/main">
   <p1510:revLst>
-    <p1510:client id="{96CCFB63-6202-40A6-AB6F-ECBA42C104EF}" v="29" dt="2024-10-07T15:01:08.991"/>
+    <p1510:client id="{96CCFB63-6202-40A6-AB6F-ECBA42C104EF}" v="30" dt="2024-10-07T15:05:59.361"/>
   </p1510:revLst>
 </p1510:revInfo>
 </file>
@@ -4077,6 +4082,68 @@
           </a:custGeom>
         </p:spPr>
       </p:pic>
+      <p:sp>
+        <p:nvSpPr>
+          <p:cNvPr id="3" name="TextBox 2">
+            <a:extLst>
+              <a:ext uri="{FF2B5EF4-FFF2-40B4-BE49-F238E27FC236}">
+                <a16:creationId xmlns:a16="http://schemas.microsoft.com/office/drawing/2014/main" id="{52317940-0834-23A5-A04D-5EC8B9D8CDA0}"/>
+              </a:ext>
+            </a:extLst>
+          </p:cNvPr>
+          <p:cNvSpPr txBox="1"/>
+          <p:nvPr/>
+        </p:nvSpPr>
+        <p:spPr>
+          <a:xfrm>
+            <a:off x="877967" y="5230941"/>
+            <a:ext cx="6097712" cy="1508105"/>
+          </a:xfrm>
+          <a:prstGeom prst="rect">
+            <a:avLst/>
+          </a:prstGeom>
+          <a:noFill/>
+        </p:spPr>
+        <p:txBody>
+          <a:bodyPr wrap="square">
+            <a:spAutoFit/>
+          </a:bodyPr>
+          <a:lstStyle/>
+          <a:p>
+            <a:r>
+              <a:rPr lang="pt-BR" b="1" dirty="0"/>
+              <a:t>Universidade Presbiteriana Mackenzie</a:t>
+            </a:r>
+          </a:p>
+          <a:p>
+            <a:endParaRPr lang="pt-BR" b="1" dirty="0"/>
+          </a:p>
+          <a:p>
+            <a:r>
+              <a:rPr lang="pt-BR" sz="1400" dirty="0"/>
+              <a:t>Rafael Almeida  - RA: 10326188</a:t>
+            </a:r>
+          </a:p>
+          <a:p>
+            <a:r>
+              <a:rPr lang="pt-BR" sz="1400" dirty="0"/>
+              <a:t>Bruno Schenberg - RA: 10374855</a:t>
+            </a:r>
+          </a:p>
+          <a:p>
+            <a:r>
+              <a:rPr lang="pt-BR" sz="1400" dirty="0"/>
+              <a:t>Magna Fernandes - RA: 10722096</a:t>
+            </a:r>
+          </a:p>
+          <a:p>
+            <a:r>
+              <a:rPr lang="pt-BR" sz="1400" dirty="0"/>
+              <a:t>Renato Godoi -    RA: 10406532</a:t>
+            </a:r>
+          </a:p>
+        </p:txBody>
+      </p:sp>
     </p:spTree>
     <p:extLst>
       <p:ext uri="{BB962C8B-B14F-4D97-AF65-F5344CB8AC3E}">
@@ -4087,6 +4154,18 @@
   <p:clrMapOvr>
     <a:masterClrMapping/>
   </p:clrMapOvr>
+  <mc:AlternateContent xmlns:mc="http://schemas.openxmlformats.org/markup-compatibility/2006" xmlns:p14="http://schemas.microsoft.com/office/powerpoint/2010/main">
+    <mc:Choice Requires="p14">
+      <p:transition spd="med" p14:dur="700">
+        <p:fade/>
+      </p:transition>
+    </mc:Choice>
+    <mc:Fallback xmlns="">
+      <p:transition spd="med">
+        <p:fade/>
+      </p:transition>
+    </mc:Fallback>
+  </mc:AlternateContent>
 </p:sld>
 </file>
 
@@ -4613,6 +4692,18 @@
   <p:clrMapOvr>
     <a:masterClrMapping/>
   </p:clrMapOvr>
+  <mc:AlternateContent xmlns:mc="http://schemas.openxmlformats.org/markup-compatibility/2006" xmlns:p14="http://schemas.microsoft.com/office/powerpoint/2010/main">
+    <mc:Choice Requires="p14">
+      <p:transition spd="med" p14:dur="700">
+        <p:fade/>
+      </p:transition>
+    </mc:Choice>
+    <mc:Fallback xmlns="">
+      <p:transition spd="med">
+        <p:fade/>
+      </p:transition>
+    </mc:Fallback>
+  </mc:AlternateContent>
 </p:sld>
 </file>
 
@@ -5695,6 +5786,18 @@
   <p:clrMapOvr>
     <a:masterClrMapping/>
   </p:clrMapOvr>
+  <mc:AlternateContent xmlns:mc="http://schemas.openxmlformats.org/markup-compatibility/2006" xmlns:p14="http://schemas.microsoft.com/office/powerpoint/2010/main">
+    <mc:Choice Requires="p14">
+      <p:transition spd="med" p14:dur="700">
+        <p:fade/>
+      </p:transition>
+    </mc:Choice>
+    <mc:Fallback xmlns="">
+      <p:transition spd="med">
+        <p:fade/>
+      </p:transition>
+    </mc:Fallback>
+  </mc:AlternateContent>
 </p:sld>
 </file>
 
@@ -8515,6 +8618,18 @@
   <p:clrMapOvr>
     <a:masterClrMapping/>
   </p:clrMapOvr>
+  <mc:AlternateContent xmlns:mc="http://schemas.openxmlformats.org/markup-compatibility/2006" xmlns:p14="http://schemas.microsoft.com/office/powerpoint/2010/main">
+    <mc:Choice Requires="p14">
+      <p:transition spd="med" p14:dur="700">
+        <p:fade/>
+      </p:transition>
+    </mc:Choice>
+    <mc:Fallback xmlns="">
+      <p:transition spd="med">
+        <p:fade/>
+      </p:transition>
+    </mc:Fallback>
+  </mc:AlternateContent>
 </p:sld>
 </file>
 
@@ -8776,6 +8891,18 @@
   <p:clrMapOvr>
     <a:masterClrMapping/>
   </p:clrMapOvr>
+  <mc:AlternateContent xmlns:mc="http://schemas.openxmlformats.org/markup-compatibility/2006" xmlns:p14="http://schemas.microsoft.com/office/powerpoint/2010/main">
+    <mc:Choice Requires="p14">
+      <p:transition spd="med" p14:dur="700">
+        <p:fade/>
+      </p:transition>
+    </mc:Choice>
+    <mc:Fallback xmlns="">
+      <p:transition spd="med">
+        <p:fade/>
+      </p:transition>
+    </mc:Fallback>
+  </mc:AlternateContent>
 </p:sld>
 </file>
 
@@ -8919,6 +9046,18 @@
   <p:clrMapOvr>
     <a:masterClrMapping/>
   </p:clrMapOvr>
+  <mc:AlternateContent xmlns:mc="http://schemas.openxmlformats.org/markup-compatibility/2006" xmlns:p14="http://schemas.microsoft.com/office/powerpoint/2010/main">
+    <mc:Choice Requires="p14">
+      <p:transition spd="med" p14:dur="700">
+        <p:fade/>
+      </p:transition>
+    </mc:Choice>
+    <mc:Fallback xmlns="">
+      <p:transition spd="med">
+        <p:fade/>
+      </p:transition>
+    </mc:Fallback>
+  </mc:AlternateContent>
 </p:sld>
 </file>
 
@@ -9014,7 +9153,7 @@
         </p:nvSpPr>
         <p:spPr>
           <a:xfrm>
-            <a:off x="601980" y="2173492"/>
+            <a:off x="601980" y="2348150"/>
             <a:ext cx="9265920" cy="1200329"/>
           </a:xfrm>
           <a:prstGeom prst="rect">
@@ -9074,7 +9213,9 @@
             </a:r>
           </a:p>
           <a:p>
-            <a:endParaRPr lang="en-US" dirty="0"/>
+            <a:endParaRPr lang="en-US" dirty="0">
+              <a:hlinkClick r:id="rId2"/>
+            </a:endParaRPr>
           </a:p>
           <a:p>
             <a:r>
@@ -9104,7 +9245,7 @@
         </p:nvSpPr>
         <p:spPr>
           <a:xfrm>
-            <a:off x="601980" y="3080435"/>
+            <a:off x="601980" y="3255093"/>
             <a:ext cx="6096000" cy="923330"/>
           </a:xfrm>
           <a:prstGeom prst="rect">
@@ -9146,7 +9287,7 @@
         <p:spPr>
           <a:xfrm>
             <a:off x="601980" y="1454666"/>
-            <a:ext cx="10701020" cy="923330"/>
+            <a:ext cx="10701020" cy="1200329"/>
           </a:xfrm>
           <a:prstGeom prst="rect">
             <a:avLst/>
@@ -9210,6 +9351,9 @@
             <a:endParaRPr lang="en-US" dirty="0"/>
           </a:p>
           <a:p>
+            <a:endParaRPr lang="en-US" dirty="0"/>
+          </a:p>
+          <a:p>
             <a:r>
               <a:rPr lang="en-US" dirty="0">
                 <a:hlinkClick r:id="rId4"/>
@@ -9237,8 +9381,8 @@
         </p:nvSpPr>
         <p:spPr>
           <a:xfrm>
-            <a:off x="601980" y="3955534"/>
-            <a:ext cx="7818120" cy="923330"/>
+            <a:off x="601980" y="4130192"/>
+            <a:ext cx="7818120" cy="1200329"/>
           </a:xfrm>
           <a:prstGeom prst="rect">
             <a:avLst/>
@@ -9285,7 +9429,16 @@
             </a:r>
             <a:r>
               <a:rPr lang="en-US" dirty="0"/>
-              <a:t> americanos </a:t>
+              <a:t> americanos</a:t>
+            </a:r>
+          </a:p>
+          <a:p>
+            <a:endParaRPr lang="en-US" dirty="0"/>
+          </a:p>
+          <a:p>
+            <a:r>
+              <a:rPr lang="en-US" dirty="0"/>
+              <a:t> </a:t>
             </a:r>
             <a:r>
               <a:rPr lang="en-US" dirty="0">
@@ -9314,8 +9467,8 @@
         </p:nvSpPr>
         <p:spPr>
           <a:xfrm>
-            <a:off x="601980" y="4827201"/>
-            <a:ext cx="6096000" cy="1477328"/>
+            <a:off x="601979" y="5423098"/>
+            <a:ext cx="9754371" cy="923330"/>
           </a:xfrm>
           <a:prstGeom prst="rect">
             <a:avLst/>
@@ -9384,8 +9537,8 @@
         </p:nvSpPr>
         <p:spPr>
           <a:xfrm>
-            <a:off x="601980" y="5981532"/>
-            <a:ext cx="6096000" cy="923330"/>
+            <a:off x="601980" y="6156190"/>
+            <a:ext cx="10988040" cy="646331"/>
           </a:xfrm>
           <a:prstGeom prst="rect">
             <a:avLst/>
@@ -9421,6 +9574,18 @@
   <p:clrMapOvr>
     <a:masterClrMapping/>
   </p:clrMapOvr>
+  <mc:AlternateContent xmlns:mc="http://schemas.openxmlformats.org/markup-compatibility/2006" xmlns:p14="http://schemas.microsoft.com/office/powerpoint/2010/main">
+    <mc:Choice Requires="p14">
+      <p:transition spd="med" p14:dur="700">
+        <p:fade/>
+      </p:transition>
+    </mc:Choice>
+    <mc:Fallback xmlns="">
+      <p:transition spd="med">
+        <p:fade/>
+      </p:transition>
+    </mc:Fallback>
+  </mc:AlternateContent>
 </p:sld>
 </file>
 
@@ -9737,4 +9902,10 @@
     </a:ext>
   </a:extLst>
 </a:theme>
+</file>
+
+<file path=docMetadata/LabelInfo.xml><?xml version="1.0" encoding="utf-8"?>
+<clbl:labelList xmlns:clbl="http://schemas.microsoft.com/office/2020/mipLabelMetadata">
+  <clbl:label id="{d4062de4-74ba-4730-a339-59645ae170de}" enabled="0" method="" siteId="{d4062de4-74ba-4730-a339-59645ae170de}" removed="1"/>
+</clbl:labelList>
 </file>